--- a/Documento/Final_Presentacion.pptx
+++ b/Documento/Final_Presentacion.pptx
@@ -19,8 +19,8 @@
     <p:sldId id="264" r:id="rId10"/>
     <p:sldId id="265" r:id="rId11"/>
     <p:sldId id="266" r:id="rId12"/>
-    <p:sldId id="267" r:id="rId13"/>
-    <p:sldId id="268" r:id="rId14"/>
+    <p:sldId id="268" r:id="rId13"/>
+    <p:sldId id="267" r:id="rId14"/>
     <p:sldId id="269" r:id="rId15"/>
     <p:sldId id="270" r:id="rId16"/>
     <p:sldId id="271" r:id="rId17"/>
@@ -134,6 +134,11 @@
       </a:defRPr>
     </a:lvl9pPr>
   </p:defaultTextStyle>
+  <p:extLst>
+    <p:ext uri="{EFAFB233-063F-42B5-8137-9DF3F51BA10A}">
+      <p15:sldGuideLst xmlns:p15="http://schemas.microsoft.com/office/powerpoint/2012/main"/>
+    </p:ext>
+  </p:extLst>
 </p:presentation>
 </file>
 
@@ -223,7 +228,7 @@
           <a:p>
             <a:fld id="{A06EBBD5-7FC6-4C27-9047-986555E546AC}" type="datetimeFigureOut">
               <a:rPr lang="es-MX" smtClean="0"/>
-              <a:t>28/04/2017</a:t>
+              <a:t>30/04/2017</a:t>
             </a:fld>
             <a:endParaRPr lang="es-MX"/>
           </a:p>
@@ -630,7 +635,7 @@
           <a:p>
             <a:fld id="{31DA46CE-B29A-4322-960D-1D1A30B27752}" type="datetime1">
               <a:rPr lang="en-US" smtClean="0"/>
-              <a:t>4/28/2017</a:t>
+              <a:t>4/30/2017</a:t>
             </a:fld>
             <a:endParaRPr lang="en-US" dirty="0"/>
           </a:p>
@@ -836,7 +841,7 @@
           <a:p>
             <a:fld id="{62D7018C-2239-4DD7-9AD3-1B851CF2589B}" type="datetime1">
               <a:rPr lang="en-US" smtClean="0"/>
-              <a:t>4/28/2017</a:t>
+              <a:t>4/30/2017</a:t>
             </a:fld>
             <a:endParaRPr lang="en-US" dirty="0"/>
           </a:p>
@@ -1046,7 +1051,7 @@
           <a:p>
             <a:fld id="{8B463799-0A82-4753-B6BE-739EEA466DD5}" type="datetime1">
               <a:rPr lang="en-US" smtClean="0"/>
-              <a:t>4/28/2017</a:t>
+              <a:t>4/30/2017</a:t>
             </a:fld>
             <a:endParaRPr lang="en-US" dirty="0"/>
           </a:p>
@@ -1242,7 +1247,7 @@
           <a:p>
             <a:fld id="{46723BA9-43D1-4799-92F8-26E66D93E5AD}" type="datetime1">
               <a:rPr lang="en-US" smtClean="0"/>
-              <a:t>4/28/2017</a:t>
+              <a:t>4/30/2017</a:t>
             </a:fld>
             <a:endParaRPr lang="en-US" dirty="0"/>
           </a:p>
@@ -1516,7 +1521,7 @@
           <a:p>
             <a:fld id="{AB96A5D3-6048-4C8F-BA8C-B6E5E33A994C}" type="datetime1">
               <a:rPr lang="en-US" smtClean="0"/>
-              <a:t>4/28/2017</a:t>
+              <a:t>4/30/2017</a:t>
             </a:fld>
             <a:endParaRPr lang="en-US" dirty="0"/>
           </a:p>
@@ -1779,7 +1784,7 @@
           <a:p>
             <a:fld id="{628217B0-D205-49CA-9356-412A672B093A}" type="datetime1">
               <a:rPr lang="en-US" smtClean="0"/>
-              <a:t>4/28/2017</a:t>
+              <a:t>4/30/2017</a:t>
             </a:fld>
             <a:endParaRPr lang="en-US" dirty="0"/>
           </a:p>
@@ -2190,7 +2195,7 @@
           <a:p>
             <a:fld id="{99158F05-CFD4-43E3-8DCA-01CEB219CB08}" type="datetime1">
               <a:rPr lang="en-US" smtClean="0"/>
-              <a:t>4/28/2017</a:t>
+              <a:t>4/30/2017</a:t>
             </a:fld>
             <a:endParaRPr lang="en-US" dirty="0"/>
           </a:p>
@@ -2334,7 +2339,7 @@
           <a:p>
             <a:fld id="{47B7C1E9-6F27-45C0-BB85-79376DCBEFAB}" type="datetime1">
               <a:rPr lang="en-US" smtClean="0"/>
-              <a:t>4/28/2017</a:t>
+              <a:t>4/30/2017</a:t>
             </a:fld>
             <a:endParaRPr lang="en-US" dirty="0"/>
           </a:p>
@@ -2455,7 +2460,7 @@
           <a:p>
             <a:fld id="{4279DB4B-A4A8-4A94-B8FB-BAA8470CA23B}" type="datetime1">
               <a:rPr lang="en-US" smtClean="0"/>
-              <a:t>4/28/2017</a:t>
+              <a:t>4/30/2017</a:t>
             </a:fld>
             <a:endParaRPr lang="en-US" dirty="0"/>
           </a:p>
@@ -2701,7 +2706,7 @@
           <a:p>
             <a:fld id="{B2874823-74FF-43A0-95FE-9226B566896D}" type="datetime1">
               <a:rPr lang="en-US" smtClean="0"/>
-              <a:t>4/28/2017</a:t>
+              <a:t>4/30/2017</a:t>
             </a:fld>
             <a:endParaRPr lang="en-US" dirty="0"/>
           </a:p>
@@ -3141,7 +3146,7 @@
           <a:p>
             <a:fld id="{1CBF7683-48FE-4150-A77B-B4FCFCDED9CE}" type="datetime1">
               <a:rPr lang="en-US" smtClean="0"/>
-              <a:t>4/28/2017</a:t>
+              <a:t>4/30/2017</a:t>
             </a:fld>
             <a:endParaRPr lang="en-US" dirty="0"/>
           </a:p>
@@ -3462,7 +3467,7 @@
           <a:p>
             <a:fld id="{B7AB1F8C-4A59-400E-84AD-5E5934F91A7D}" type="datetime1">
               <a:rPr lang="en-US" smtClean="0"/>
-              <a:t>4/28/2017</a:t>
+              <a:t>4/30/2017</a:t>
             </a:fld>
             <a:endParaRPr lang="en-US" dirty="0"/>
           </a:p>
@@ -4462,14 +4467,14 @@
           <a:p>
             <a:r>
               <a:rPr lang="es-MX" dirty="0"/>
-              <a:t>propuesta de funcionamiento</a:t>
-            </a:r>
-          </a:p>
-        </p:txBody>
-      </p:sp>
-      <p:sp>
-        <p:nvSpPr>
-          <p:cNvPr id="5" name="Slide Number Placeholder 4"/>
+              <a:t>Diseño del sistema</a:t>
+            </a:r>
+          </a:p>
+        </p:txBody>
+      </p:sp>
+      <p:sp>
+        <p:nvSpPr>
+          <p:cNvPr id="4" name="Slide Number Placeholder 3"/>
           <p:cNvSpPr>
             <a:spLocks noGrp="1"/>
           </p:cNvSpPr>
@@ -4492,7 +4497,7 @@
       </p:sp>
       <p:pic>
         <p:nvPicPr>
-          <p:cNvPr id="9" name="Content Placeholder 8"/>
+          <p:cNvPr id="5" name="Content Placeholder 8"/>
           <p:cNvPicPr>
             <a:picLocks noGrp="1" noChangeAspect="1"/>
           </p:cNvPicPr>
@@ -4501,22 +4506,28 @@
           </p:nvPr>
         </p:nvPicPr>
         <p:blipFill>
-          <a:blip r:embed="rId2"/>
+          <a:blip r:embed="rId2" cstate="email">
+            <a:extLst>
+              <a:ext uri="{28A0092B-C50C-407E-A947-70E740481C1C}">
+                <a14:useLocalDpi xmlns:a14="http://schemas.microsoft.com/office/drawing/2010/main" val="0"/>
+              </a:ext>
+            </a:extLst>
+          </a:blip>
           <a:stretch>
             <a:fillRect/>
           </a:stretch>
         </p:blipFill>
         <p:spPr>
           <a:xfrm>
-            <a:off x="3268618" y="2041292"/>
-            <a:ext cx="5229430" cy="3931670"/>
+            <a:off x="2330436" y="2108404"/>
+            <a:ext cx="7845560" cy="3449638"/>
           </a:xfrm>
         </p:spPr>
       </p:pic>
     </p:spTree>
     <p:extLst>
       <p:ext uri="{BB962C8B-B14F-4D97-AF65-F5344CB8AC3E}">
-        <p14:creationId xmlns:p14="http://schemas.microsoft.com/office/powerpoint/2010/main" val="1960355960"/>
+        <p14:creationId xmlns:p14="http://schemas.microsoft.com/office/powerpoint/2010/main" val="1825750200"/>
       </p:ext>
     </p:extLst>
   </p:cSld>
@@ -4560,14 +4571,14 @@
           <a:p>
             <a:r>
               <a:rPr lang="es-MX" dirty="0"/>
-              <a:t>Diseño del sistema</a:t>
-            </a:r>
-          </a:p>
-        </p:txBody>
-      </p:sp>
-      <p:sp>
-        <p:nvSpPr>
-          <p:cNvPr id="4" name="Slide Number Placeholder 3"/>
+              <a:t>propuesta de funcionamiento</a:t>
+            </a:r>
+          </a:p>
+        </p:txBody>
+      </p:sp>
+      <p:sp>
+        <p:nvSpPr>
+          <p:cNvPr id="5" name="Slide Number Placeholder 4"/>
           <p:cNvSpPr>
             <a:spLocks noGrp="1"/>
           </p:cNvSpPr>
@@ -4590,7 +4601,7 @@
       </p:sp>
       <p:pic>
         <p:nvPicPr>
-          <p:cNvPr id="5" name="Content Placeholder 8"/>
+          <p:cNvPr id="9" name="Content Placeholder 8"/>
           <p:cNvPicPr>
             <a:picLocks noGrp="1" noChangeAspect="1"/>
           </p:cNvPicPr>
@@ -4599,28 +4610,22 @@
           </p:nvPr>
         </p:nvPicPr>
         <p:blipFill>
-          <a:blip r:embed="rId2" cstate="email">
-            <a:extLst>
-              <a:ext uri="{28A0092B-C50C-407E-A947-70E740481C1C}">
-                <a14:useLocalDpi xmlns:a14="http://schemas.microsoft.com/office/drawing/2010/main" val="0"/>
-              </a:ext>
-            </a:extLst>
-          </a:blip>
+          <a:blip r:embed="rId2"/>
           <a:stretch>
             <a:fillRect/>
           </a:stretch>
         </p:blipFill>
         <p:spPr>
           <a:xfrm>
-            <a:off x="2330436" y="2108404"/>
-            <a:ext cx="7845560" cy="3449638"/>
+            <a:off x="3268618" y="2041292"/>
+            <a:ext cx="5229430" cy="3931670"/>
           </a:xfrm>
         </p:spPr>
       </p:pic>
     </p:spTree>
     <p:extLst>
       <p:ext uri="{BB962C8B-B14F-4D97-AF65-F5344CB8AC3E}">
-        <p14:creationId xmlns:p14="http://schemas.microsoft.com/office/powerpoint/2010/main" val="1825750200"/>
+        <p14:creationId xmlns:p14="http://schemas.microsoft.com/office/powerpoint/2010/main" val="1960355960"/>
       </p:ext>
     </p:extLst>
   </p:cSld>

--- a/Documento/Final_Presentacion.pptx
+++ b/Documento/Final_Presentacion.pptx
@@ -228,7 +228,7 @@
           <a:p>
             <a:fld id="{A06EBBD5-7FC6-4C27-9047-986555E546AC}" type="datetimeFigureOut">
               <a:rPr lang="es-MX" smtClean="0"/>
-              <a:t>30/04/2017</a:t>
+              <a:t>01/05/2017</a:t>
             </a:fld>
             <a:endParaRPr lang="es-MX"/>
           </a:p>
@@ -387,7 +387,7 @@
           <a:p>
             <a:fld id="{58720AE3-3241-42C0-96C5-5DDA0CE1B30E}" type="slidenum">
               <a:rPr lang="es-MX" smtClean="0"/>
-              <a:t>‹#›</a:t>
+              <a:t>‹Nº›</a:t>
             </a:fld>
             <a:endParaRPr lang="es-MX"/>
           </a:p>
@@ -635,7 +635,7 @@
           <a:p>
             <a:fld id="{31DA46CE-B29A-4322-960D-1D1A30B27752}" type="datetime1">
               <a:rPr lang="en-US" smtClean="0"/>
-              <a:t>4/30/2017</a:t>
+              <a:t>5/1/2017</a:t>
             </a:fld>
             <a:endParaRPr lang="en-US" dirty="0"/>
           </a:p>
@@ -687,7 +687,7 @@
           <a:p>
             <a:fld id="{6D22F896-40B5-4ADD-8801-0D06FADFA095}" type="slidenum">
               <a:rPr lang="en-US" dirty="0"/>
-              <a:t>‹#›</a:t>
+              <a:t>‹Nº›</a:t>
             </a:fld>
             <a:endParaRPr lang="en-US" dirty="0"/>
           </a:p>
@@ -841,7 +841,7 @@
           <a:p>
             <a:fld id="{62D7018C-2239-4DD7-9AD3-1B851CF2589B}" type="datetime1">
               <a:rPr lang="en-US" smtClean="0"/>
-              <a:t>4/30/2017</a:t>
+              <a:t>5/1/2017</a:t>
             </a:fld>
             <a:endParaRPr lang="en-US" dirty="0"/>
           </a:p>
@@ -883,7 +883,7 @@
           <a:p>
             <a:fld id="{6D22F896-40B5-4ADD-8801-0D06FADFA095}" type="slidenum">
               <a:rPr lang="en-US" dirty="0"/>
-              <a:t>‹#›</a:t>
+              <a:t>‹Nº›</a:t>
             </a:fld>
             <a:endParaRPr lang="en-US" dirty="0"/>
           </a:p>
@@ -1051,7 +1051,7 @@
           <a:p>
             <a:fld id="{8B463799-0A82-4753-B6BE-739EEA466DD5}" type="datetime1">
               <a:rPr lang="en-US" smtClean="0"/>
-              <a:t>4/30/2017</a:t>
+              <a:t>5/1/2017</a:t>
             </a:fld>
             <a:endParaRPr lang="en-US" dirty="0"/>
           </a:p>
@@ -1093,7 +1093,7 @@
           <a:p>
             <a:fld id="{6D22F896-40B5-4ADD-8801-0D06FADFA095}" type="slidenum">
               <a:rPr lang="en-US" dirty="0"/>
-              <a:t>‹#›</a:t>
+              <a:t>‹Nº›</a:t>
             </a:fld>
             <a:endParaRPr lang="en-US" dirty="0"/>
           </a:p>
@@ -1247,7 +1247,7 @@
           <a:p>
             <a:fld id="{46723BA9-43D1-4799-92F8-26E66D93E5AD}" type="datetime1">
               <a:rPr lang="en-US" smtClean="0"/>
-              <a:t>4/30/2017</a:t>
+              <a:t>5/1/2017</a:t>
             </a:fld>
             <a:endParaRPr lang="en-US" dirty="0"/>
           </a:p>
@@ -1289,7 +1289,7 @@
           <a:p>
             <a:fld id="{6D22F896-40B5-4ADD-8801-0D06FADFA095}" type="slidenum">
               <a:rPr lang="en-US" dirty="0"/>
-              <a:t>‹#›</a:t>
+              <a:t>‹Nº›</a:t>
             </a:fld>
             <a:endParaRPr lang="en-US" dirty="0"/>
           </a:p>
@@ -1521,7 +1521,7 @@
           <a:p>
             <a:fld id="{AB96A5D3-6048-4C8F-BA8C-B6E5E33A994C}" type="datetime1">
               <a:rPr lang="en-US" smtClean="0"/>
-              <a:t>4/30/2017</a:t>
+              <a:t>5/1/2017</a:t>
             </a:fld>
             <a:endParaRPr lang="en-US" dirty="0"/>
           </a:p>
@@ -1563,7 +1563,7 @@
           <a:p>
             <a:fld id="{6D22F896-40B5-4ADD-8801-0D06FADFA095}" type="slidenum">
               <a:rPr lang="en-US" dirty="0"/>
-              <a:t>‹#›</a:t>
+              <a:t>‹Nº›</a:t>
             </a:fld>
             <a:endParaRPr lang="en-US" dirty="0"/>
           </a:p>
@@ -1784,7 +1784,7 @@
           <a:p>
             <a:fld id="{628217B0-D205-49CA-9356-412A672B093A}" type="datetime1">
               <a:rPr lang="en-US" smtClean="0"/>
-              <a:t>4/30/2017</a:t>
+              <a:t>5/1/2017</a:t>
             </a:fld>
             <a:endParaRPr lang="en-US" dirty="0"/>
           </a:p>
@@ -1826,7 +1826,7 @@
           <a:p>
             <a:fld id="{6D22F896-40B5-4ADD-8801-0D06FADFA095}" type="slidenum">
               <a:rPr lang="en-US" dirty="0"/>
-              <a:t>‹#›</a:t>
+              <a:t>‹Nº›</a:t>
             </a:fld>
             <a:endParaRPr lang="en-US" dirty="0"/>
           </a:p>
@@ -2195,7 +2195,7 @@
           <a:p>
             <a:fld id="{99158F05-CFD4-43E3-8DCA-01CEB219CB08}" type="datetime1">
               <a:rPr lang="en-US" smtClean="0"/>
-              <a:t>4/30/2017</a:t>
+              <a:t>5/1/2017</a:t>
             </a:fld>
             <a:endParaRPr lang="en-US" dirty="0"/>
           </a:p>
@@ -2237,7 +2237,7 @@
           <a:p>
             <a:fld id="{6D22F896-40B5-4ADD-8801-0D06FADFA095}" type="slidenum">
               <a:rPr lang="en-US" dirty="0"/>
-              <a:t>‹#›</a:t>
+              <a:t>‹Nº›</a:t>
             </a:fld>
             <a:endParaRPr lang="en-US" dirty="0"/>
           </a:p>
@@ -2339,7 +2339,7 @@
           <a:p>
             <a:fld id="{47B7C1E9-6F27-45C0-BB85-79376DCBEFAB}" type="datetime1">
               <a:rPr lang="en-US" smtClean="0"/>
-              <a:t>4/30/2017</a:t>
+              <a:t>5/1/2017</a:t>
             </a:fld>
             <a:endParaRPr lang="en-US" dirty="0"/>
           </a:p>
@@ -2381,7 +2381,7 @@
           <a:p>
             <a:fld id="{6D22F896-40B5-4ADD-8801-0D06FADFA095}" type="slidenum">
               <a:rPr lang="en-US" dirty="0"/>
-              <a:t>‹#›</a:t>
+              <a:t>‹Nº›</a:t>
             </a:fld>
             <a:endParaRPr lang="en-US" dirty="0"/>
           </a:p>
@@ -2460,7 +2460,7 @@
           <a:p>
             <a:fld id="{4279DB4B-A4A8-4A94-B8FB-BAA8470CA23B}" type="datetime1">
               <a:rPr lang="en-US" smtClean="0"/>
-              <a:t>4/30/2017</a:t>
+              <a:t>5/1/2017</a:t>
             </a:fld>
             <a:endParaRPr lang="en-US" dirty="0"/>
           </a:p>
@@ -2502,7 +2502,7 @@
           <a:p>
             <a:fld id="{6D22F896-40B5-4ADD-8801-0D06FADFA095}" type="slidenum">
               <a:rPr lang="en-US" dirty="0"/>
-              <a:t>‹#›</a:t>
+              <a:t>‹Nº›</a:t>
             </a:fld>
             <a:endParaRPr lang="en-US" dirty="0"/>
           </a:p>
@@ -2706,7 +2706,7 @@
           <a:p>
             <a:fld id="{B2874823-74FF-43A0-95FE-9226B566896D}" type="datetime1">
               <a:rPr lang="en-US" smtClean="0"/>
-              <a:t>4/30/2017</a:t>
+              <a:t>5/1/2017</a:t>
             </a:fld>
             <a:endParaRPr lang="en-US" dirty="0"/>
           </a:p>
@@ -2748,7 +2748,7 @@
           <a:p>
             <a:fld id="{6D22F896-40B5-4ADD-8801-0D06FADFA095}" type="slidenum">
               <a:rPr lang="en-US" dirty="0"/>
-              <a:t>‹#›</a:t>
+              <a:t>‹Nº›</a:t>
             </a:fld>
             <a:endParaRPr lang="en-US" dirty="0"/>
           </a:p>
@@ -3146,7 +3146,7 @@
           <a:p>
             <a:fld id="{1CBF7683-48FE-4150-A77B-B4FCFCDED9CE}" type="datetime1">
               <a:rPr lang="en-US" smtClean="0"/>
-              <a:t>4/30/2017</a:t>
+              <a:t>5/1/2017</a:t>
             </a:fld>
             <a:endParaRPr lang="en-US" dirty="0"/>
           </a:p>
@@ -3193,7 +3193,7 @@
           <a:p>
             <a:fld id="{6D22F896-40B5-4ADD-8801-0D06FADFA095}" type="slidenum">
               <a:rPr lang="en-US" dirty="0"/>
-              <a:t>‹#›</a:t>
+              <a:t>‹Nº›</a:t>
             </a:fld>
             <a:endParaRPr lang="en-US" dirty="0"/>
           </a:p>
@@ -3467,7 +3467,7 @@
           <a:p>
             <a:fld id="{B7AB1F8C-4A59-400E-84AD-5E5934F91A7D}" type="datetime1">
               <a:rPr lang="en-US" smtClean="0"/>
-              <a:t>4/30/2017</a:t>
+              <a:t>5/1/2017</a:t>
             </a:fld>
             <a:endParaRPr lang="en-US" dirty="0"/>
           </a:p>
@@ -3544,7 +3544,7 @@
             <a:fld id="{6D22F896-40B5-4ADD-8801-0D06FADFA095}" type="slidenum">
               <a:rPr lang="en-US" dirty="0"/>
               <a:pPr/>
-              <a:t>‹#›</a:t>
+              <a:t>‹Nº›</a:t>
             </a:fld>
             <a:endParaRPr lang="en-US" dirty="0"/>
           </a:p>
@@ -7079,6 +7079,10 @@
           <a:bodyPr/>
           <a:lstStyle/>
           <a:p>
+            <a:r>
+              <a:rPr lang="es-MX"/>
+              <a:t>hola</a:t>
+            </a:r>
             <a:endParaRPr lang="es-MX" dirty="0"/>
           </a:p>
         </p:txBody>
